--- a/docs/diagrams/LoginCommandExample.pptx
+++ b/docs/diagrams/LoginCommandExample.pptx
@@ -5,10 +5,11 @@
     <p:sldMasterId id="2147483648" r:id="rId1"/>
   </p:sldMasterIdLst>
   <p:sldIdLst>
-    <p:sldId id="256" r:id="rId3"/>
+    <p:sldId id="256" r:id="rId2"/>
+    <p:sldId id="257" r:id="rId3"/>
   </p:sldIdLst>
   <p:sldSz cx="12192000" cy="6858000"/>
-  <p:notesSz cx="7103745" cy="10234295"/>
+  <p:notesSz cx="7104063" cy="10234613"/>
   <p:defaultTextStyle>
     <a:defPPr>
       <a:defRPr lang="en-US"/>
@@ -104,6 +105,14 @@
       </a:defRPr>
     </a:lvl9pPr>
   </p:defaultTextStyle>
+  <p:extLst>
+    <p:ext uri="{EFAFB233-063F-42B5-8137-9DF3F51BA10A}">
+      <p15:sldGuideLst xmlns:p15="http://schemas.microsoft.com/office/powerpoint/2012/main"/>
+    </p:ext>
+    <p:ext uri="{2D200454-40CA-4A62-9FC3-DE9A4176ACB9}">
+      <p15:notesGuideLst xmlns:p15="http://schemas.microsoft.com/office/powerpoint/2012/main"/>
+    </p:ext>
+  </p:extLst>
 </p:presentation>
 </file>
 
@@ -149,10 +158,9 @@
           </a:lstStyle>
           <a:p>
             <a:r>
-              <a:rPr lang="en-US" smtClean="0"/>
+              <a:rPr lang="en-US"/>
               <a:t>Click to edit Master title style</a:t>
             </a:r>
-            <a:endParaRPr lang="en-US"/>
           </a:p>
         </p:txBody>
       </p:sp>
@@ -214,10 +222,9 @@
           </a:lstStyle>
           <a:p>
             <a:r>
-              <a:rPr lang="en-US" smtClean="0"/>
+              <a:rPr lang="en-US"/>
               <a:t>Click to edit Master subtitle style</a:t>
             </a:r>
-            <a:endParaRPr lang="en-US"/>
           </a:p>
         </p:txBody>
       </p:sp>
@@ -238,6 +245,7 @@
           <a:p>
             <a:fld id="{FDE934FF-F4E1-47C5-9CA5-30A81DDE2BE4}" type="datetimeFigureOut">
               <a:rPr lang="en-US" smtClean="0"/>
+              <a:t>11/11/2018</a:t>
             </a:fld>
             <a:endParaRPr lang="en-US"/>
           </a:p>
@@ -279,6 +287,7 @@
           <a:p>
             <a:fld id="{B3561BA9-CDCF-4958-B8AB-66F3BF063E13}" type="slidenum">
               <a:rPr lang="en-US" smtClean="0"/>
+              <a:t>‹#›</a:t>
             </a:fld>
             <a:endParaRPr lang="en-US"/>
           </a:p>
@@ -331,42 +340,37 @@
           <a:p>
             <a:pPr lvl="0"/>
             <a:r>
-              <a:rPr lang="en-US" smtClean="0"/>
+              <a:rPr lang="en-US"/>
               <a:t>Click to edit Master text styles</a:t>
             </a:r>
-            <a:endParaRPr lang="en-US" smtClean="0"/>
           </a:p>
           <a:p>
             <a:pPr lvl="1"/>
             <a:r>
-              <a:rPr lang="en-US" smtClean="0"/>
+              <a:rPr lang="en-US"/>
               <a:t>Second level</a:t>
             </a:r>
-            <a:endParaRPr lang="en-US" smtClean="0"/>
           </a:p>
           <a:p>
             <a:pPr lvl="2"/>
             <a:r>
-              <a:rPr lang="en-US" smtClean="0"/>
+              <a:rPr lang="en-US"/>
               <a:t>Third level</a:t>
             </a:r>
-            <a:endParaRPr lang="en-US" smtClean="0"/>
           </a:p>
           <a:p>
             <a:pPr lvl="3"/>
             <a:r>
-              <a:rPr lang="en-US" smtClean="0"/>
+              <a:rPr lang="en-US"/>
               <a:t>Fourth level</a:t>
             </a:r>
-            <a:endParaRPr lang="en-US" smtClean="0"/>
           </a:p>
           <a:p>
             <a:pPr lvl="4"/>
             <a:r>
-              <a:rPr lang="en-US" smtClean="0"/>
+              <a:rPr lang="en-US"/>
               <a:t>Fifth level</a:t>
             </a:r>
-            <a:endParaRPr lang="en-US"/>
           </a:p>
         </p:txBody>
       </p:sp>
@@ -387,6 +391,7 @@
           <a:p>
             <a:fld id="{FDE934FF-F4E1-47C5-9CA5-30A81DDE2BE4}" type="datetimeFigureOut">
               <a:rPr lang="en-US" smtClean="0"/>
+              <a:t>11/11/2018</a:t>
             </a:fld>
             <a:endParaRPr lang="en-US"/>
           </a:p>
@@ -428,6 +433,7 @@
           <a:p>
             <a:fld id="{B3561BA9-CDCF-4958-B8AB-66F3BF063E13}" type="slidenum">
               <a:rPr lang="en-US" smtClean="0"/>
+              <a:t>‹#›</a:t>
             </a:fld>
             <a:endParaRPr lang="en-US"/>
           </a:p>
@@ -474,10 +480,9 @@
           <a:lstStyle/>
           <a:p>
             <a:r>
-              <a:rPr lang="en-US" smtClean="0"/>
+              <a:rPr lang="en-US"/>
               <a:t>Click to edit Master title style</a:t>
             </a:r>
-            <a:endParaRPr lang="en-US"/>
           </a:p>
         </p:txBody>
       </p:sp>
@@ -498,42 +503,37 @@
           <a:p>
             <a:pPr lvl="0"/>
             <a:r>
-              <a:rPr lang="en-US" smtClean="0"/>
+              <a:rPr lang="en-US"/>
               <a:t>Click to edit Master text styles</a:t>
             </a:r>
-            <a:endParaRPr lang="en-US" smtClean="0"/>
           </a:p>
           <a:p>
             <a:pPr lvl="1"/>
             <a:r>
-              <a:rPr lang="en-US" smtClean="0"/>
+              <a:rPr lang="en-US"/>
               <a:t>Second level</a:t>
             </a:r>
-            <a:endParaRPr lang="en-US" smtClean="0"/>
           </a:p>
           <a:p>
             <a:pPr lvl="2"/>
             <a:r>
-              <a:rPr lang="en-US" smtClean="0"/>
+              <a:rPr lang="en-US"/>
               <a:t>Third level</a:t>
             </a:r>
-            <a:endParaRPr lang="en-US" smtClean="0"/>
           </a:p>
           <a:p>
             <a:pPr lvl="3"/>
             <a:r>
-              <a:rPr lang="en-US" smtClean="0"/>
+              <a:rPr lang="en-US"/>
               <a:t>Fourth level</a:t>
             </a:r>
-            <a:endParaRPr lang="en-US" smtClean="0"/>
           </a:p>
           <a:p>
             <a:pPr lvl="4"/>
             <a:r>
-              <a:rPr lang="en-US" smtClean="0"/>
+              <a:rPr lang="en-US"/>
               <a:t>Fifth level</a:t>
             </a:r>
-            <a:endParaRPr lang="en-US"/>
           </a:p>
         </p:txBody>
       </p:sp>
@@ -554,6 +554,7 @@
           <a:p>
             <a:fld id="{FDE934FF-F4E1-47C5-9CA5-30A81DDE2BE4}" type="datetimeFigureOut">
               <a:rPr lang="en-US" smtClean="0"/>
+              <a:t>11/11/2018</a:t>
             </a:fld>
             <a:endParaRPr lang="en-US"/>
           </a:p>
@@ -595,6 +596,7 @@
           <a:p>
             <a:fld id="{B3561BA9-CDCF-4958-B8AB-66F3BF063E13}" type="slidenum">
               <a:rPr lang="en-US" smtClean="0"/>
+              <a:t>‹#›</a:t>
             </a:fld>
             <a:endParaRPr lang="en-US"/>
           </a:p>
@@ -650,10 +652,9 @@
           </a:lstStyle>
           <a:p>
             <a:r>
-              <a:rPr lang="en-US" smtClean="0"/>
+              <a:rPr lang="en-US"/>
               <a:t>Click to edit Master title style</a:t>
             </a:r>
-            <a:endParaRPr lang="en-US"/>
           </a:p>
         </p:txBody>
       </p:sp>
@@ -770,10 +771,9 @@
           <a:p>
             <a:pPr lvl="0"/>
             <a:r>
-              <a:rPr lang="en-US" smtClean="0"/>
+              <a:rPr lang="en-US"/>
               <a:t>Click to edit Master text styles</a:t>
             </a:r>
-            <a:endParaRPr lang="en-US" smtClean="0"/>
           </a:p>
         </p:txBody>
       </p:sp>
@@ -794,6 +794,7 @@
           <a:p>
             <a:fld id="{FDE934FF-F4E1-47C5-9CA5-30A81DDE2BE4}" type="datetimeFigureOut">
               <a:rPr lang="en-US" smtClean="0"/>
+              <a:t>11/11/2018</a:t>
             </a:fld>
             <a:endParaRPr lang="en-US"/>
           </a:p>
@@ -835,6 +836,7 @@
           <a:p>
             <a:fld id="{B3561BA9-CDCF-4958-B8AB-66F3BF063E13}" type="slidenum">
               <a:rPr lang="en-US" smtClean="0"/>
+              <a:t>‹#›</a:t>
             </a:fld>
             <a:endParaRPr lang="en-US"/>
           </a:p>
@@ -881,10 +883,9 @@
           <a:lstStyle/>
           <a:p>
             <a:r>
-              <a:rPr lang="en-US" smtClean="0"/>
+              <a:rPr lang="en-US"/>
               <a:t>Click to edit Master title style</a:t>
             </a:r>
-            <a:endParaRPr lang="en-US"/>
           </a:p>
         </p:txBody>
       </p:sp>
@@ -910,42 +911,37 @@
           <a:p>
             <a:pPr lvl="0"/>
             <a:r>
-              <a:rPr lang="en-US" smtClean="0"/>
+              <a:rPr lang="en-US"/>
               <a:t>Click to edit Master text styles</a:t>
             </a:r>
-            <a:endParaRPr lang="en-US" smtClean="0"/>
           </a:p>
           <a:p>
             <a:pPr lvl="1"/>
             <a:r>
-              <a:rPr lang="en-US" smtClean="0"/>
+              <a:rPr lang="en-US"/>
               <a:t>Second level</a:t>
             </a:r>
-            <a:endParaRPr lang="en-US" smtClean="0"/>
           </a:p>
           <a:p>
             <a:pPr lvl="2"/>
             <a:r>
-              <a:rPr lang="en-US" smtClean="0"/>
+              <a:rPr lang="en-US"/>
               <a:t>Third level</a:t>
             </a:r>
-            <a:endParaRPr lang="en-US" smtClean="0"/>
           </a:p>
           <a:p>
             <a:pPr lvl="3"/>
             <a:r>
-              <a:rPr lang="en-US" smtClean="0"/>
+              <a:rPr lang="en-US"/>
               <a:t>Fourth level</a:t>
             </a:r>
-            <a:endParaRPr lang="en-US" smtClean="0"/>
           </a:p>
           <a:p>
             <a:pPr lvl="4"/>
             <a:r>
-              <a:rPr lang="en-US" smtClean="0"/>
+              <a:rPr lang="en-US"/>
               <a:t>Fifth level</a:t>
             </a:r>
-            <a:endParaRPr lang="en-US"/>
           </a:p>
         </p:txBody>
       </p:sp>
@@ -971,42 +967,37 @@
           <a:p>
             <a:pPr lvl="0"/>
             <a:r>
-              <a:rPr lang="en-US" smtClean="0"/>
+              <a:rPr lang="en-US"/>
               <a:t>Click to edit Master text styles</a:t>
             </a:r>
-            <a:endParaRPr lang="en-US" smtClean="0"/>
           </a:p>
           <a:p>
             <a:pPr lvl="1"/>
             <a:r>
-              <a:rPr lang="en-US" smtClean="0"/>
+              <a:rPr lang="en-US"/>
               <a:t>Second level</a:t>
             </a:r>
-            <a:endParaRPr lang="en-US" smtClean="0"/>
           </a:p>
           <a:p>
             <a:pPr lvl="2"/>
             <a:r>
-              <a:rPr lang="en-US" smtClean="0"/>
+              <a:rPr lang="en-US"/>
               <a:t>Third level</a:t>
             </a:r>
-            <a:endParaRPr lang="en-US" smtClean="0"/>
           </a:p>
           <a:p>
             <a:pPr lvl="3"/>
             <a:r>
-              <a:rPr lang="en-US" smtClean="0"/>
+              <a:rPr lang="en-US"/>
               <a:t>Fourth level</a:t>
             </a:r>
-            <a:endParaRPr lang="en-US" smtClean="0"/>
           </a:p>
           <a:p>
             <a:pPr lvl="4"/>
             <a:r>
-              <a:rPr lang="en-US" smtClean="0"/>
+              <a:rPr lang="en-US"/>
               <a:t>Fifth level</a:t>
             </a:r>
-            <a:endParaRPr lang="en-US"/>
           </a:p>
         </p:txBody>
       </p:sp>
@@ -1027,6 +1018,7 @@
           <a:p>
             <a:fld id="{FDE934FF-F4E1-47C5-9CA5-30A81DDE2BE4}" type="datetimeFigureOut">
               <a:rPr lang="en-US" smtClean="0"/>
+              <a:t>11/11/2018</a:t>
             </a:fld>
             <a:endParaRPr lang="en-US"/>
           </a:p>
@@ -1068,6 +1060,7 @@
           <a:p>
             <a:fld id="{B3561BA9-CDCF-4958-B8AB-66F3BF063E13}" type="slidenum">
               <a:rPr lang="en-US" smtClean="0"/>
+              <a:t>‹#›</a:t>
             </a:fld>
             <a:endParaRPr lang="en-US"/>
           </a:p>
@@ -1119,10 +1112,9 @@
           <a:lstStyle/>
           <a:p>
             <a:r>
-              <a:rPr lang="en-US" smtClean="0"/>
+              <a:rPr lang="en-US"/>
               <a:t>Click to edit Master title style</a:t>
             </a:r>
-            <a:endParaRPr lang="en-US"/>
           </a:p>
         </p:txBody>
       </p:sp>
@@ -1185,10 +1177,9 @@
           <a:p>
             <a:pPr lvl="0"/>
             <a:r>
-              <a:rPr lang="en-US" smtClean="0"/>
+              <a:rPr lang="en-US"/>
               <a:t>Click to edit Master text styles</a:t>
             </a:r>
-            <a:endParaRPr lang="en-US" smtClean="0"/>
           </a:p>
         </p:txBody>
       </p:sp>
@@ -1214,42 +1205,37 @@
           <a:p>
             <a:pPr lvl="0"/>
             <a:r>
-              <a:rPr lang="en-US" smtClean="0"/>
+              <a:rPr lang="en-US"/>
               <a:t>Click to edit Master text styles</a:t>
             </a:r>
-            <a:endParaRPr lang="en-US" smtClean="0"/>
           </a:p>
           <a:p>
             <a:pPr lvl="1"/>
             <a:r>
-              <a:rPr lang="en-US" smtClean="0"/>
+              <a:rPr lang="en-US"/>
               <a:t>Second level</a:t>
             </a:r>
-            <a:endParaRPr lang="en-US" smtClean="0"/>
           </a:p>
           <a:p>
             <a:pPr lvl="2"/>
             <a:r>
-              <a:rPr lang="en-US" smtClean="0"/>
+              <a:rPr lang="en-US"/>
               <a:t>Third level</a:t>
             </a:r>
-            <a:endParaRPr lang="en-US" smtClean="0"/>
           </a:p>
           <a:p>
             <a:pPr lvl="3"/>
             <a:r>
-              <a:rPr lang="en-US" smtClean="0"/>
+              <a:rPr lang="en-US"/>
               <a:t>Fourth level</a:t>
             </a:r>
-            <a:endParaRPr lang="en-US" smtClean="0"/>
           </a:p>
           <a:p>
             <a:pPr lvl="4"/>
             <a:r>
-              <a:rPr lang="en-US" smtClean="0"/>
+              <a:rPr lang="en-US"/>
               <a:t>Fifth level</a:t>
             </a:r>
-            <a:endParaRPr lang="en-US"/>
           </a:p>
         </p:txBody>
       </p:sp>
@@ -1312,10 +1298,9 @@
           <a:p>
             <a:pPr lvl="0"/>
             <a:r>
-              <a:rPr lang="en-US" smtClean="0"/>
+              <a:rPr lang="en-US"/>
               <a:t>Click to edit Master text styles</a:t>
             </a:r>
-            <a:endParaRPr lang="en-US" smtClean="0"/>
           </a:p>
         </p:txBody>
       </p:sp>
@@ -1341,42 +1326,37 @@
           <a:p>
             <a:pPr lvl="0"/>
             <a:r>
-              <a:rPr lang="en-US" smtClean="0"/>
+              <a:rPr lang="en-US"/>
               <a:t>Click to edit Master text styles</a:t>
             </a:r>
-            <a:endParaRPr lang="en-US" smtClean="0"/>
           </a:p>
           <a:p>
             <a:pPr lvl="1"/>
             <a:r>
-              <a:rPr lang="en-US" smtClean="0"/>
+              <a:rPr lang="en-US"/>
               <a:t>Second level</a:t>
             </a:r>
-            <a:endParaRPr lang="en-US" smtClean="0"/>
           </a:p>
           <a:p>
             <a:pPr lvl="2"/>
             <a:r>
-              <a:rPr lang="en-US" smtClean="0"/>
+              <a:rPr lang="en-US"/>
               <a:t>Third level</a:t>
             </a:r>
-            <a:endParaRPr lang="en-US" smtClean="0"/>
           </a:p>
           <a:p>
             <a:pPr lvl="3"/>
             <a:r>
-              <a:rPr lang="en-US" smtClean="0"/>
+              <a:rPr lang="en-US"/>
               <a:t>Fourth level</a:t>
             </a:r>
-            <a:endParaRPr lang="en-US" smtClean="0"/>
           </a:p>
           <a:p>
             <a:pPr lvl="4"/>
             <a:r>
-              <a:rPr lang="en-US" smtClean="0"/>
+              <a:rPr lang="en-US"/>
               <a:t>Fifth level</a:t>
             </a:r>
-            <a:endParaRPr lang="en-US"/>
           </a:p>
         </p:txBody>
       </p:sp>
@@ -1397,6 +1377,7 @@
           <a:p>
             <a:fld id="{FDE934FF-F4E1-47C5-9CA5-30A81DDE2BE4}" type="datetimeFigureOut">
               <a:rPr lang="en-US" smtClean="0"/>
+              <a:t>11/11/2018</a:t>
             </a:fld>
             <a:endParaRPr lang="en-US"/>
           </a:p>
@@ -1438,6 +1419,7 @@
           <a:p>
             <a:fld id="{B3561BA9-CDCF-4958-B8AB-66F3BF063E13}" type="slidenum">
               <a:rPr lang="en-US" smtClean="0"/>
+              <a:t>‹#›</a:t>
             </a:fld>
             <a:endParaRPr lang="en-US"/>
           </a:p>
@@ -1484,10 +1466,9 @@
           <a:lstStyle/>
           <a:p>
             <a:r>
-              <a:rPr lang="en-US" smtClean="0"/>
+              <a:rPr lang="en-US"/>
               <a:t>Click to edit Master title style</a:t>
             </a:r>
-            <a:endParaRPr lang="en-US"/>
           </a:p>
         </p:txBody>
       </p:sp>
@@ -1508,6 +1489,7 @@
           <a:p>
             <a:fld id="{FDE934FF-F4E1-47C5-9CA5-30A81DDE2BE4}" type="datetimeFigureOut">
               <a:rPr lang="en-US" smtClean="0"/>
+              <a:t>11/11/2018</a:t>
             </a:fld>
             <a:endParaRPr lang="en-US"/>
           </a:p>
@@ -1549,6 +1531,7 @@
           <a:p>
             <a:fld id="{B3561BA9-CDCF-4958-B8AB-66F3BF063E13}" type="slidenum">
               <a:rPr lang="en-US" smtClean="0"/>
+              <a:t>‹#›</a:t>
             </a:fld>
             <a:endParaRPr lang="en-US"/>
           </a:p>
@@ -1596,6 +1579,7 @@
           <a:p>
             <a:fld id="{FDE934FF-F4E1-47C5-9CA5-30A81DDE2BE4}" type="datetimeFigureOut">
               <a:rPr lang="en-US" smtClean="0"/>
+              <a:t>11/11/2018</a:t>
             </a:fld>
             <a:endParaRPr lang="en-US"/>
           </a:p>
@@ -1637,6 +1621,7 @@
           <a:p>
             <a:fld id="{B3561BA9-CDCF-4958-B8AB-66F3BF063E13}" type="slidenum">
               <a:rPr lang="en-US" smtClean="0"/>
+              <a:t>‹#›</a:t>
             </a:fld>
             <a:endParaRPr lang="en-US"/>
           </a:p>
@@ -1692,10 +1677,9 @@
           </a:lstStyle>
           <a:p>
             <a:r>
-              <a:rPr lang="en-US" smtClean="0"/>
+              <a:rPr lang="en-US"/>
               <a:t>Click to edit Master title style</a:t>
             </a:r>
-            <a:endParaRPr lang="en-US"/>
           </a:p>
         </p:txBody>
       </p:sp>
@@ -1819,10 +1803,9 @@
           <a:p>
             <a:pPr lvl="0"/>
             <a:r>
-              <a:rPr lang="en-US" smtClean="0"/>
+              <a:rPr lang="en-US"/>
               <a:t>Click to edit Master text styles</a:t>
             </a:r>
-            <a:endParaRPr lang="en-US" smtClean="0"/>
           </a:p>
         </p:txBody>
       </p:sp>
@@ -1843,6 +1826,7 @@
           <a:p>
             <a:fld id="{FDE934FF-F4E1-47C5-9CA5-30A81DDE2BE4}" type="datetimeFigureOut">
               <a:rPr lang="en-US" smtClean="0"/>
+              <a:t>11/11/2018</a:t>
             </a:fld>
             <a:endParaRPr lang="en-US"/>
           </a:p>
@@ -1884,6 +1868,7 @@
           <a:p>
             <a:fld id="{B3561BA9-CDCF-4958-B8AB-66F3BF063E13}" type="slidenum">
               <a:rPr lang="en-US" smtClean="0"/>
+              <a:t>‹#›</a:t>
             </a:fld>
             <a:endParaRPr lang="en-US"/>
           </a:p>
@@ -1894,13 +1879,6 @@
   <p:clrMapOvr>
     <a:masterClrMapping/>
   </p:clrMapOvr>
-  <p:timing>
-    <p:tnLst>
-      <p:par>
-        <p:cTn id="1" dur="indefinite" restart="never" nodeType="tmRoot"/>
-      </p:par>
-    </p:tnLst>
-  </p:timing>
 </p:sldLayout>
 </file>
 
@@ -1942,10 +1920,9 @@
           <a:lstStyle/>
           <a:p>
             <a:r>
-              <a:rPr lang="en-US" smtClean="0"/>
+              <a:rPr lang="en-US"/>
               <a:t>Click to edit Master title style</a:t>
             </a:r>
-            <a:endParaRPr lang="en-US"/>
           </a:p>
         </p:txBody>
       </p:sp>
@@ -1971,42 +1948,37 @@
           <a:p>
             <a:pPr lvl="0"/>
             <a:r>
-              <a:rPr lang="en-US" smtClean="0"/>
+              <a:rPr lang="en-US"/>
               <a:t>Click to edit Master text styles</a:t>
             </a:r>
-            <a:endParaRPr lang="en-US" smtClean="0"/>
           </a:p>
           <a:p>
             <a:pPr lvl="1"/>
             <a:r>
-              <a:rPr lang="en-US" smtClean="0"/>
+              <a:rPr lang="en-US"/>
               <a:t>Second level</a:t>
             </a:r>
-            <a:endParaRPr lang="en-US" smtClean="0"/>
           </a:p>
           <a:p>
             <a:pPr lvl="2"/>
             <a:r>
-              <a:rPr lang="en-US" smtClean="0"/>
+              <a:rPr lang="en-US"/>
               <a:t>Third level</a:t>
             </a:r>
-            <a:endParaRPr lang="en-US" smtClean="0"/>
           </a:p>
           <a:p>
             <a:pPr lvl="3"/>
             <a:r>
-              <a:rPr lang="en-US" smtClean="0"/>
+              <a:rPr lang="en-US"/>
               <a:t>Fourth level</a:t>
             </a:r>
-            <a:endParaRPr lang="en-US" smtClean="0"/>
           </a:p>
           <a:p>
             <a:pPr lvl="4"/>
             <a:r>
-              <a:rPr lang="en-US" smtClean="0"/>
+              <a:rPr lang="en-US"/>
               <a:t>Fifth level</a:t>
             </a:r>
-            <a:endParaRPr lang="en-US"/>
           </a:p>
         </p:txBody>
       </p:sp>
@@ -2027,6 +1999,7 @@
           <a:p>
             <a:fld id="{FDE934FF-F4E1-47C5-9CA5-30A81DDE2BE4}" type="datetimeFigureOut">
               <a:rPr lang="en-US" smtClean="0"/>
+              <a:t>11/11/2018</a:t>
             </a:fld>
             <a:endParaRPr lang="en-US"/>
           </a:p>
@@ -2068,6 +2041,7 @@
           <a:p>
             <a:fld id="{B3561BA9-CDCF-4958-B8AB-66F3BF063E13}" type="slidenum">
               <a:rPr lang="en-US" smtClean="0"/>
+              <a:t>‹#›</a:t>
             </a:fld>
             <a:endParaRPr lang="en-US"/>
           </a:p>
@@ -2129,10 +2103,9 @@
           <a:lstStyle/>
           <a:p>
             <a:r>
-              <a:rPr lang="en-US" smtClean="0"/>
+              <a:rPr lang="en-US"/>
               <a:t>Click to edit Master title style</a:t>
             </a:r>
-            <a:endParaRPr lang="en-US"/>
           </a:p>
         </p:txBody>
       </p:sp>
@@ -2163,42 +2136,37 @@
           <a:p>
             <a:pPr lvl="0"/>
             <a:r>
-              <a:rPr lang="en-US" smtClean="0"/>
+              <a:rPr lang="en-US"/>
               <a:t>Click to edit Master text styles</a:t>
             </a:r>
-            <a:endParaRPr lang="en-US" smtClean="0"/>
           </a:p>
           <a:p>
             <a:pPr lvl="1"/>
             <a:r>
-              <a:rPr lang="en-US" smtClean="0"/>
+              <a:rPr lang="en-US"/>
               <a:t>Second level</a:t>
             </a:r>
-            <a:endParaRPr lang="en-US" smtClean="0"/>
           </a:p>
           <a:p>
             <a:pPr lvl="2"/>
             <a:r>
-              <a:rPr lang="en-US" smtClean="0"/>
+              <a:rPr lang="en-US"/>
               <a:t>Third level</a:t>
             </a:r>
-            <a:endParaRPr lang="en-US" smtClean="0"/>
           </a:p>
           <a:p>
             <a:pPr lvl="3"/>
             <a:r>
-              <a:rPr lang="en-US" smtClean="0"/>
+              <a:rPr lang="en-US"/>
               <a:t>Fourth level</a:t>
             </a:r>
-            <a:endParaRPr lang="en-US" smtClean="0"/>
           </a:p>
           <a:p>
             <a:pPr lvl="4"/>
             <a:r>
-              <a:rPr lang="en-US" smtClean="0"/>
+              <a:rPr lang="en-US"/>
               <a:t>Fifth level</a:t>
             </a:r>
-            <a:endParaRPr lang="en-US"/>
           </a:p>
         </p:txBody>
       </p:sp>
@@ -2237,6 +2205,7 @@
           <a:p>
             <a:fld id="{FDE934FF-F4E1-47C5-9CA5-30A81DDE2BE4}" type="datetimeFigureOut">
               <a:rPr lang="en-US" smtClean="0"/>
+              <a:t>11/11/2018</a:t>
             </a:fld>
             <a:endParaRPr lang="en-US"/>
           </a:p>
@@ -2314,6 +2283,7 @@
           <a:p>
             <a:fld id="{B3561BA9-CDCF-4958-B8AB-66F3BF063E13}" type="slidenum">
               <a:rPr lang="en-US" smtClean="0"/>
+              <a:t>‹#›</a:t>
             </a:fld>
             <a:endParaRPr lang="en-US"/>
           </a:p>
@@ -2626,31 +2596,14 @@
         <p:cNvGrpSpPr/>
         <p:nvPr/>
       </p:nvGrpSpPr>
-      <p:grpSpPr/>
-      <p:pic>
-        <p:nvPicPr>
-          <p:cNvPr id="22" name="Picture 21" descr="UserTabPane_after_register_login"/>
-          <p:cNvPicPr>
-            <a:picLocks noChangeAspect="1"/>
-          </p:cNvPicPr>
-          <p:nvPr/>
-        </p:nvPicPr>
-        <p:blipFill>
-          <a:blip r:embed="rId1"/>
-          <a:stretch>
-            <a:fillRect/>
-          </a:stretch>
-        </p:blipFill>
-        <p:spPr>
-          <a:xfrm>
-            <a:off x="5829935" y="1414780"/>
-            <a:ext cx="3285490" cy="4028440"/>
-          </a:xfrm>
-          <a:prstGeom prst="rect">
-            <a:avLst/>
-          </a:prstGeom>
-        </p:spPr>
-      </p:pic>
+      <p:grpSpPr>
+        <a:xfrm>
+          <a:off x="0" y="0"/>
+          <a:ext cx="0" cy="0"/>
+          <a:chOff x="0" y="0"/>
+          <a:chExt cx="0" cy="0"/>
+        </a:xfrm>
+      </p:grpSpPr>
       <p:pic>
         <p:nvPicPr>
           <p:cNvPr id="21" name="Picture 20" descr="UserTabPane_before_login_after_logout"/>
@@ -2675,98 +2628,108 @@
           </a:prstGeom>
         </p:spPr>
       </p:pic>
-      <p:cxnSp>
-        <p:nvCxnSpPr>
-          <p:cNvPr id="15" name="Straight Arrow Connector 14"/>
-          <p:cNvCxnSpPr/>
+      <p:grpSp>
+        <p:nvGrpSpPr>
+          <p:cNvPr id="2" name="Group 1">
+            <a:extLst>
+              <a:ext uri="{FF2B5EF4-FFF2-40B4-BE49-F238E27FC236}">
+                <a16:creationId xmlns:a16="http://schemas.microsoft.com/office/drawing/2014/main" id="{D7FB9D55-3A5E-447C-9ABF-94EC622F8CE7}"/>
+              </a:ext>
+            </a:extLst>
+          </p:cNvPr>
+          <p:cNvGrpSpPr/>
           <p:nvPr/>
-        </p:nvCxnSpPr>
-        <p:spPr>
+        </p:nvGrpSpPr>
+        <p:grpSpPr>
           <a:xfrm>
-            <a:off x="4612005" y="3637915"/>
-            <a:ext cx="2209165" cy="5080"/>
+            <a:off x="6570164" y="1414780"/>
+            <a:ext cx="3285490" cy="4028440"/>
+            <a:chOff x="6570164" y="1414780"/>
+            <a:chExt cx="3285490" cy="4028440"/>
           </a:xfrm>
-          <a:prstGeom prst="straightConnector1">
-            <a:avLst/>
-          </a:prstGeom>
-          <a:ln w="76200">
-            <a:solidFill>
-              <a:srgbClr val="FF0000"/>
-            </a:solidFill>
-            <a:tailEnd type="arrow"/>
-          </a:ln>
-        </p:spPr>
-        <p:style>
-          <a:lnRef idx="1">
-            <a:schemeClr val="accent1"/>
-          </a:lnRef>
-          <a:fillRef idx="0">
-            <a:schemeClr val="accent1"/>
-          </a:fillRef>
-          <a:effectRef idx="0">
-            <a:schemeClr val="accent1"/>
-          </a:effectRef>
-          <a:fontRef idx="minor">
-            <a:schemeClr val="tx1"/>
-          </a:fontRef>
-        </p:style>
-      </p:cxnSp>
-      <p:sp>
-        <p:nvSpPr>
-          <p:cNvPr id="17" name="Rounded Rectangle 16"/>
-          <p:cNvSpPr/>
-          <p:nvPr/>
-        </p:nvSpPr>
-        <p:spPr>
-          <a:xfrm>
-            <a:off x="6918325" y="1809750"/>
-            <a:ext cx="1910080" cy="3148965"/>
-          </a:xfrm>
-          <a:prstGeom prst="roundRect">
-            <a:avLst>
-              <a:gd name="adj" fmla="val 8333"/>
-            </a:avLst>
-          </a:prstGeom>
-          <a:noFill/>
-          <a:ln w="38100">
-            <a:solidFill>
-              <a:srgbClr val="FF0000"/>
-            </a:solidFill>
-          </a:ln>
-          <a:extLst>
-            <a:ext uri="{909E8E84-426E-40DD-AFC4-6F175D3DCCD1}">
-              <a14:hiddenFill xmlns:a14="http://schemas.microsoft.com/office/drawing/2010/main">
-                <a:solidFill>
-                  <a:schemeClr val="accent1"/>
-                </a:solidFill>
-              </a14:hiddenFill>
-            </a:ext>
-          </a:extLst>
-        </p:spPr>
-        <p:style>
-          <a:lnRef idx="2">
-            <a:schemeClr val="accent1">
-              <a:shade val="50000"/>
-            </a:schemeClr>
-          </a:lnRef>
-          <a:fillRef idx="1">
-            <a:schemeClr val="accent1"/>
-          </a:fillRef>
-          <a:effectRef idx="0">
-            <a:schemeClr val="accent1"/>
-          </a:effectRef>
-          <a:fontRef idx="minor">
-            <a:schemeClr val="lt1"/>
-          </a:fontRef>
-        </p:style>
-        <p:txBody>
-          <a:bodyPr rtlCol="0" anchor="ctr"/>
-          <a:p>
-            <a:pPr algn="ctr"/>
-            <a:endParaRPr lang="en-US"/>
-          </a:p>
-        </p:txBody>
-      </p:sp>
+        </p:grpSpPr>
+        <p:pic>
+          <p:nvPicPr>
+            <p:cNvPr id="22" name="Picture 21" descr="UserTabPane_after_register_login"/>
+            <p:cNvPicPr>
+              <a:picLocks noChangeAspect="1"/>
+            </p:cNvPicPr>
+            <p:nvPr/>
+          </p:nvPicPr>
+          <p:blipFill>
+            <a:blip r:embed="rId3"/>
+            <a:stretch>
+              <a:fillRect/>
+            </a:stretch>
+          </p:blipFill>
+          <p:spPr>
+            <a:xfrm>
+              <a:off x="6570164" y="1414780"/>
+              <a:ext cx="3285490" cy="4028440"/>
+            </a:xfrm>
+            <a:prstGeom prst="rect">
+              <a:avLst/>
+            </a:prstGeom>
+          </p:spPr>
+        </p:pic>
+        <p:sp>
+          <p:nvSpPr>
+            <p:cNvPr id="17" name="Rounded Rectangle 16"/>
+            <p:cNvSpPr/>
+            <p:nvPr/>
+          </p:nvSpPr>
+          <p:spPr>
+            <a:xfrm>
+              <a:off x="7658554" y="1809750"/>
+              <a:ext cx="1910080" cy="3148965"/>
+            </a:xfrm>
+            <a:prstGeom prst="roundRect">
+              <a:avLst>
+                <a:gd name="adj" fmla="val 8333"/>
+              </a:avLst>
+            </a:prstGeom>
+            <a:noFill/>
+            <a:ln w="38100">
+              <a:solidFill>
+                <a:srgbClr val="FF0000"/>
+              </a:solidFill>
+            </a:ln>
+            <a:extLst>
+              <a:ext uri="{909E8E84-426E-40DD-AFC4-6F175D3DCCD1}">
+                <a14:hiddenFill xmlns:a14="http://schemas.microsoft.com/office/drawing/2010/main">
+                  <a:solidFill>
+                    <a:schemeClr val="accent1"/>
+                  </a:solidFill>
+                </a14:hiddenFill>
+              </a:ext>
+            </a:extLst>
+          </p:spPr>
+          <p:style>
+            <a:lnRef idx="2">
+              <a:schemeClr val="accent1">
+                <a:shade val="50000"/>
+              </a:schemeClr>
+            </a:lnRef>
+            <a:fillRef idx="1">
+              <a:schemeClr val="accent1"/>
+            </a:fillRef>
+            <a:effectRef idx="0">
+              <a:schemeClr val="accent1"/>
+            </a:effectRef>
+            <a:fontRef idx="minor">
+              <a:schemeClr val="lt1"/>
+            </a:fontRef>
+          </p:style>
+          <p:txBody>
+            <a:bodyPr rtlCol="0" anchor="ctr"/>
+            <a:lstStyle/>
+            <a:p>
+              <a:pPr algn="ctr"/>
+              <a:endParaRPr lang="en-US"/>
+            </a:p>
+          </p:txBody>
+        </p:sp>
+      </p:grpSp>
       <p:sp>
         <p:nvSpPr>
           <p:cNvPr id="23" name="Rounded Rectangle 22"/>
@@ -2817,29 +2780,229 @@
         </p:style>
         <p:txBody>
           <a:bodyPr rtlCol="0" anchor="ctr"/>
+          <a:lstStyle/>
           <a:p>
             <a:pPr algn="ctr"/>
             <a:endParaRPr lang="en-US"/>
+          </a:p>
+        </p:txBody>
+      </p:sp>
+      <p:sp>
+        <p:nvSpPr>
+          <p:cNvPr id="7" name="Rectangle 6">
+            <a:extLst>
+              <a:ext uri="{FF2B5EF4-FFF2-40B4-BE49-F238E27FC236}">
+                <a16:creationId xmlns:a16="http://schemas.microsoft.com/office/drawing/2014/main" id="{2C038C28-E089-40A0-8F0E-3218D287859F}"/>
+              </a:ext>
+            </a:extLst>
+          </p:cNvPr>
+          <p:cNvSpPr/>
+          <p:nvPr/>
+        </p:nvSpPr>
+        <p:spPr>
+          <a:xfrm>
+            <a:off x="1142627" y="5538906"/>
+            <a:ext cx="4305409" cy="369332"/>
+          </a:xfrm>
+          <a:prstGeom prst="rect">
+            <a:avLst/>
+          </a:prstGeom>
+        </p:spPr>
+        <p:txBody>
+          <a:bodyPr wrap="none">
+            <a:spAutoFit/>
+          </a:bodyPr>
+          <a:lstStyle/>
+          <a:p>
+            <a:r>
+              <a:rPr lang="en-US" i="1" dirty="0">
+                <a:latin typeface="Times New Roman" panose="02020603050405020304" pitchFamily="18" charset="0"/>
+                <a:cs typeface="Times New Roman" panose="02020603050405020304" pitchFamily="18" charset="0"/>
+              </a:rPr>
+              <a:t>Fig 2a. Before execution of Login command.</a:t>
+            </a:r>
+            <a:endParaRPr lang="en-SG" dirty="0">
+              <a:latin typeface="Times New Roman" panose="02020603050405020304" pitchFamily="18" charset="0"/>
+              <a:cs typeface="Times New Roman" panose="02020603050405020304" pitchFamily="18" charset="0"/>
+            </a:endParaRPr>
+          </a:p>
+        </p:txBody>
+      </p:sp>
+      <p:sp>
+        <p:nvSpPr>
+          <p:cNvPr id="8" name="Rectangle 7">
+            <a:extLst>
+              <a:ext uri="{FF2B5EF4-FFF2-40B4-BE49-F238E27FC236}">
+                <a16:creationId xmlns:a16="http://schemas.microsoft.com/office/drawing/2014/main" id="{33DC257C-5BD0-4516-9CB9-758AFCA0C65A}"/>
+              </a:ext>
+            </a:extLst>
+          </p:cNvPr>
+          <p:cNvSpPr/>
+          <p:nvPr/>
+        </p:nvSpPr>
+        <p:spPr>
+          <a:xfrm>
+            <a:off x="5985376" y="5538906"/>
+            <a:ext cx="4455066" cy="369332"/>
+          </a:xfrm>
+          <a:prstGeom prst="rect">
+            <a:avLst/>
+          </a:prstGeom>
+        </p:spPr>
+        <p:txBody>
+          <a:bodyPr wrap="none">
+            <a:spAutoFit/>
+          </a:bodyPr>
+          <a:lstStyle/>
+          <a:p>
+            <a:r>
+              <a:rPr lang="en-US" i="1" dirty="0">
+                <a:latin typeface="Times New Roman" panose="02020603050405020304" pitchFamily="18" charset="0"/>
+                <a:cs typeface="Times New Roman" panose="02020603050405020304" pitchFamily="18" charset="0"/>
+              </a:rPr>
+              <a:t>Fig 2b. Expected UI Output(Login Command)</a:t>
+            </a:r>
+            <a:endParaRPr lang="en-SG" dirty="0">
+              <a:latin typeface="Times New Roman" panose="02020603050405020304" pitchFamily="18" charset="0"/>
+              <a:cs typeface="Times New Roman" panose="02020603050405020304" pitchFamily="18" charset="0"/>
+            </a:endParaRPr>
+          </a:p>
+        </p:txBody>
+      </p:sp>
+      <p:cxnSp>
+        <p:nvCxnSpPr>
+          <p:cNvPr id="15" name="Straight Arrow Connector 14"/>
+          <p:cNvCxnSpPr/>
+          <p:nvPr/>
+        </p:nvCxnSpPr>
+        <p:spPr>
+          <a:xfrm>
+            <a:off x="4612005" y="3637915"/>
+            <a:ext cx="2209165" cy="5080"/>
+          </a:xfrm>
+          <a:prstGeom prst="straightConnector1">
+            <a:avLst/>
+          </a:prstGeom>
+          <a:ln w="76200">
+            <a:solidFill>
+              <a:srgbClr val="FF0000"/>
+            </a:solidFill>
+            <a:tailEnd type="arrow"/>
+          </a:ln>
+        </p:spPr>
+        <p:style>
+          <a:lnRef idx="1">
+            <a:schemeClr val="accent1"/>
+          </a:lnRef>
+          <a:fillRef idx="0">
+            <a:schemeClr val="accent1"/>
+          </a:fillRef>
+          <a:effectRef idx="0">
+            <a:schemeClr val="accent1"/>
+          </a:effectRef>
+          <a:fontRef idx="minor">
+            <a:schemeClr val="tx1"/>
+          </a:fontRef>
+        </p:style>
+      </p:cxnSp>
+    </p:spTree>
+  </p:cSld>
+  <p:clrMapOvr>
+    <a:masterClrMapping/>
+  </p:clrMapOvr>
+</p:sld>
+</file>
+
+<file path=ppt/slides/slide2.xml><?xml version="1.0" encoding="utf-8"?>
+<p:sld xmlns:a="http://schemas.openxmlformats.org/drawingml/2006/main" xmlns:r="http://schemas.openxmlformats.org/officeDocument/2006/relationships" xmlns:p="http://schemas.openxmlformats.org/presentationml/2006/main">
+  <p:cSld>
+    <p:spTree>
+      <p:nvGrpSpPr>
+        <p:cNvPr id="1" name=""/>
+        <p:cNvGrpSpPr/>
+        <p:nvPr/>
+      </p:nvGrpSpPr>
+      <p:grpSpPr>
+        <a:xfrm>
+          <a:off x="0" y="0"/>
+          <a:ext cx="0" cy="0"/>
+          <a:chOff x="0" y="0"/>
+          <a:chExt cx="0" cy="0"/>
+        </a:xfrm>
+      </p:grpSpPr>
+      <p:sp>
+        <p:nvSpPr>
+          <p:cNvPr id="2" name="Title 1">
+            <a:extLst>
+              <a:ext uri="{FF2B5EF4-FFF2-40B4-BE49-F238E27FC236}">
+                <a16:creationId xmlns:a16="http://schemas.microsoft.com/office/drawing/2014/main" id="{4E1A3895-D740-4CCB-AEA9-CAF86B0CB335}"/>
+              </a:ext>
+            </a:extLst>
+          </p:cNvPr>
+          <p:cNvSpPr>
+            <a:spLocks noGrp="1"/>
+          </p:cNvSpPr>
+          <p:nvPr>
+            <p:ph type="title"/>
+          </p:nvPr>
+        </p:nvSpPr>
+        <p:spPr/>
+        <p:txBody>
+          <a:bodyPr/>
+          <a:lstStyle/>
+          <a:p>
+            <a:endParaRPr lang="en-SG"/>
+          </a:p>
+        </p:txBody>
+      </p:sp>
+      <p:sp>
+        <p:nvSpPr>
+          <p:cNvPr id="3" name="Content Placeholder 2">
+            <a:extLst>
+              <a:ext uri="{FF2B5EF4-FFF2-40B4-BE49-F238E27FC236}">
+                <a16:creationId xmlns:a16="http://schemas.microsoft.com/office/drawing/2014/main" id="{DD603445-735F-4218-8AAE-A47E946308EC}"/>
+              </a:ext>
+            </a:extLst>
+          </p:cNvPr>
+          <p:cNvSpPr>
+            <a:spLocks noGrp="1"/>
+          </p:cNvSpPr>
+          <p:nvPr>
+            <p:ph idx="1"/>
+          </p:nvPr>
+        </p:nvSpPr>
+        <p:spPr/>
+        <p:txBody>
+          <a:bodyPr/>
+          <a:lstStyle/>
+          <a:p>
+            <a:endParaRPr lang="en-SG"/>
           </a:p>
         </p:txBody>
       </p:sp>
       <p:pic>
         <p:nvPicPr>
-          <p:cNvPr id="24" name="Picture 23" descr="login_command"/>
+          <p:cNvPr id="4" name="Picture 3" descr="login_command">
+            <a:extLst>
+              <a:ext uri="{FF2B5EF4-FFF2-40B4-BE49-F238E27FC236}">
+                <a16:creationId xmlns:a16="http://schemas.microsoft.com/office/drawing/2014/main" id="{29907079-6E40-4E75-BAE9-331AF789F8C3}"/>
+              </a:ext>
+            </a:extLst>
+          </p:cNvPr>
           <p:cNvPicPr>
             <a:picLocks noChangeAspect="1"/>
           </p:cNvPicPr>
           <p:nvPr/>
         </p:nvPicPr>
         <p:blipFill>
-          <a:blip r:embed="rId3"/>
+          <a:blip r:embed="rId2"/>
           <a:stretch>
             <a:fillRect/>
           </a:stretch>
         </p:blipFill>
         <p:spPr>
           <a:xfrm>
-            <a:off x="1991360" y="304165"/>
+            <a:off x="1991360" y="360045"/>
             <a:ext cx="7124065" cy="857250"/>
           </a:xfrm>
           <a:prstGeom prst="rect">
@@ -2848,6 +3011,11 @@
         </p:spPr>
       </p:pic>
     </p:spTree>
+    <p:extLst>
+      <p:ext uri="{BB962C8B-B14F-4D97-AF65-F5344CB8AC3E}">
+        <p14:creationId xmlns:p14="http://schemas.microsoft.com/office/powerpoint/2010/main" val="3023063900"/>
+      </p:ext>
+    </p:extLst>
   </p:cSld>
   <p:clrMapOvr>
     <a:masterClrMapping/>
@@ -3106,6 +3274,8 @@
       </a:bgFillStyleLst>
     </a:fmtScheme>
   </a:themeElements>
+  <a:objectDefaults/>
+  <a:extraClrSchemeLst/>
   <a:extLst>
     <a:ext uri="{05A4C25C-085E-4340-85A3-A5531E510DB2}">
       <thm15:themeFamily xmlns:thm15="http://schemas.microsoft.com/office/thememl/2012/main" name="Office Theme" id="{62F939B6-93AF-4DB8-9C6B-D6C7DFDC589F}" vid="{4A3C46E8-61CC-4603-A589-7422A47A8E4A}"/>
